--- a/PRESENTATIONS/2022-09-hybrid-f2f/2022-09-06-WoT-F2F-Proposals-McCool.pptx
+++ b/PRESENTATIONS/2022-09-hybrid-f2f/2022-09-06-WoT-F2F-Proposals-McCool.pptx
@@ -4647,7 +4647,7 @@
                 <a:effectLst/>
                 <a:latin typeface="Arial" panose="020B0604020202020204" pitchFamily="34" charset="0"/>
               </a:rPr>
-              <a:t>Thing Description 2.0: </a:t>
+              <a:t>Thing Description: </a:t>
             </a:r>
             <a:r>
               <a:rPr lang="en-CA" b="0" i="0" dirty="0">
@@ -4701,7 +4701,55 @@
                 </a:solidFill>
                 <a:latin typeface="Arial" panose="020B0604020202020204" pitchFamily="34" charset="0"/>
               </a:rPr>
-              <a:t>Scripting API (next call)</a:t>
+              <a:t>Architecture: 1.2 or </a:t>
+            </a:r>
+            <a:r>
+              <a:rPr lang="en-CA" dirty="0">
+                <a:solidFill>
+                  <a:srgbClr val="252525"/>
+                </a:solidFill>
+                <a:latin typeface="Arial" panose="020B0604020202020204" pitchFamily="34" charset="0"/>
+                <a:hlinkClick r:id="rId9"/>
+              </a:rPr>
+              <a:t>2.0</a:t>
+            </a:r>
+            <a:endParaRPr lang="en-CA" b="0" i="0" dirty="0">
+              <a:solidFill>
+                <a:srgbClr val="252525"/>
+              </a:solidFill>
+              <a:effectLst/>
+              <a:latin typeface="Arial" panose="020B0604020202020204" pitchFamily="34" charset="0"/>
+            </a:endParaRPr>
+          </a:p>
+          <a:p>
+            <a:pPr marL="1200150" lvl="2" indent="-285750"/>
+            <a:r>
+              <a:rPr lang="en-CA" dirty="0">
+                <a:solidFill>
+                  <a:srgbClr val="252525"/>
+                </a:solidFill>
+                <a:latin typeface="Arial" panose="020B0604020202020204" pitchFamily="34" charset="0"/>
+              </a:rPr>
+              <a:t>Scripting API (next call – </a:t>
+            </a:r>
+            <a:r>
+              <a:rPr lang="en-CA" dirty="0">
+                <a:solidFill>
+                  <a:srgbClr val="252525"/>
+                </a:solidFill>
+                <a:latin typeface="Arial" panose="020B0604020202020204" pitchFamily="34" charset="0"/>
+                <a:hlinkClick r:id="rId10"/>
+              </a:rPr>
+              <a:t>see issue</a:t>
+            </a:r>
+            <a:r>
+              <a:rPr lang="en-CA" dirty="0">
+                <a:solidFill>
+                  <a:srgbClr val="252525"/>
+                </a:solidFill>
+                <a:latin typeface="Arial" panose="020B0604020202020204" pitchFamily="34" charset="0"/>
+              </a:rPr>
+              <a:t>)</a:t>
             </a:r>
           </a:p>
           <a:p>

--- a/PRESENTATIONS/2022-09-hybrid-f2f/2022-09-06-WoT-F2F-Proposals-McCool.pptx
+++ b/PRESENTATIONS/2022-09-hybrid-f2f/2022-09-06-WoT-F2F-Proposals-McCool.pptx
@@ -4492,7 +4492,7 @@
         </p:nvSpPr>
         <p:spPr>
           <a:xfrm>
-            <a:off x="838200" y="1403011"/>
+            <a:off x="838200" y="1185862"/>
             <a:ext cx="10515600" cy="4486275"/>
           </a:xfrm>
         </p:spPr>
@@ -4774,15 +4774,21 @@
                 </a:solidFill>
                 <a:latin typeface="Arial" panose="020B0604020202020204" pitchFamily="34" charset="0"/>
               </a:rPr>
-              <a:t>Digital Twins</a:t>
-            </a:r>
-            <a:endParaRPr lang="en-CA" b="0" i="0" dirty="0">
-              <a:solidFill>
-                <a:srgbClr val="252525"/>
-              </a:solidFill>
-              <a:effectLst/>
-              <a:latin typeface="Arial" panose="020B0604020202020204" pitchFamily="34" charset="0"/>
-            </a:endParaRPr>
+              <a:t>Digital Twins – a profile, or another doc?</a:t>
+            </a:r>
+          </a:p>
+          <a:p>
+            <a:pPr marL="1200150" lvl="2" indent="-285750"/>
+            <a:r>
+              <a:rPr lang="en-CA" b="0" i="0" dirty="0">
+                <a:solidFill>
+                  <a:srgbClr val="252525"/>
+                </a:solidFill>
+                <a:effectLst/>
+                <a:latin typeface="Arial" panose="020B0604020202020204" pitchFamily="34" charset="0"/>
+              </a:rPr>
+              <a:t>Security and Privacy: new normative doc?</a:t>
+            </a:r>
           </a:p>
           <a:p>
             <a:pPr marL="1200150" lvl="2" indent="-285750"/>
@@ -4793,7 +4799,7 @@
                 </a:solidFill>
                 <a:latin typeface="Arial" panose="020B0604020202020204" pitchFamily="34" charset="0"/>
               </a:rPr>
-              <a:t>Informative documents</a:t>
+              <a:t>Informative documents: Use Cases and Requirements</a:t>
             </a:r>
             <a:endParaRPr lang="en-CA" b="0" i="0" dirty="0">
               <a:solidFill>
